--- a/02-문서양식/Module02_발표자료_김민지.pptx
+++ b/02-문서양식/Module02_발표자료_김민지.pptx
@@ -5199,12 +5199,28 @@
               <a:t>입력된 키워드로 특정 구간의 네이버 뉴스를 검색하여 해당 뉴스의 제목과 본문의 문장을 </a:t>
             </a:r>
             <a:r>
-              <a:rPr lang="ko-KR" altLang="en-US" dirty="0" err="1" smtClean="0"/>
-              <a:t>자연어처리하였다</a:t>
-            </a:r>
-            <a:r>
-              <a:rPr lang="en-US" altLang="ko-KR" dirty="0" smtClean="0"/>
-              <a:t>. </a:t>
+              <a:rPr lang="ko-KR" altLang="en-US" dirty="0" smtClean="0"/>
+              <a:t>자연어처리</a:t>
+            </a:r>
+            <a:r>
+              <a:rPr lang="ko-KR" altLang="en-US" dirty="0" smtClean="0">
+                <a:solidFill>
+                  <a:srgbClr val="FF0000"/>
+                </a:solidFill>
+              </a:rPr>
+              <a:t>하고 빈도수를 체크 하였다</a:t>
+            </a:r>
+            <a:r>
+              <a:rPr lang="en-US" altLang="ko-KR" dirty="0" smtClean="0">
+                <a:solidFill>
+                  <a:srgbClr val="FF0000"/>
+                </a:solidFill>
+              </a:rPr>
+              <a:t>.</a:t>
+            </a:r>
+            <a:r>
+              <a:rPr lang="en-US" altLang="ko-KR" dirty="0" smtClean="0"/>
+              <a:t> </a:t>
             </a:r>
             <a:r>
               <a:rPr lang="ko-KR" altLang="en-US" dirty="0" smtClean="0"/>
